--- a/Presentation/Software Engineering Presentation v2.pptx
+++ b/Presentation/Software Engineering Presentation v2.pptx
@@ -6300,28 +6300,22 @@
       </p:sp>
       <p:pic>
         <p:nvPicPr>
-          <p:cNvPr id="3" name="Picture 2"/>
+          <p:cNvPr id="4" name="Picture 3"/>
           <p:cNvPicPr>
             <a:picLocks noChangeAspect="1"/>
           </p:cNvPicPr>
           <p:nvPr/>
         </p:nvPicPr>
         <p:blipFill>
-          <a:blip r:embed="rId3">
-            <a:extLst>
-              <a:ext uri="{28A0092B-C50C-407E-A947-70E740481C1C}">
-                <a14:useLocalDpi xmlns:a14="http://schemas.microsoft.com/office/drawing/2010/main" val="0"/>
-              </a:ext>
-            </a:extLst>
-          </a:blip>
+          <a:blip r:embed="rId3"/>
           <a:stretch>
             <a:fillRect/>
           </a:stretch>
         </p:blipFill>
         <p:spPr>
           <a:xfrm>
-            <a:off x="596900" y="1172584"/>
-            <a:ext cx="7942684" cy="3356385"/>
+            <a:off x="1453896" y="1017725"/>
+            <a:ext cx="6236208" cy="4041648"/>
           </a:xfrm>
           <a:prstGeom prst="rect">
             <a:avLst/>
@@ -6406,28 +6400,22 @@
       </p:sp>
       <p:pic>
         <p:nvPicPr>
-          <p:cNvPr id="3" name="Picture 2"/>
+          <p:cNvPr id="5" name="Picture 4"/>
           <p:cNvPicPr>
             <a:picLocks noChangeAspect="1"/>
           </p:cNvPicPr>
           <p:nvPr/>
         </p:nvPicPr>
         <p:blipFill>
-          <a:blip r:embed="rId2">
-            <a:extLst>
-              <a:ext uri="{28A0092B-C50C-407E-A947-70E740481C1C}">
-                <a14:useLocalDpi xmlns:a14="http://schemas.microsoft.com/office/drawing/2010/main" val="0"/>
-              </a:ext>
-            </a:extLst>
-          </a:blip>
+          <a:blip r:embed="rId2"/>
           <a:stretch>
             <a:fillRect/>
           </a:stretch>
         </p:blipFill>
         <p:spPr>
           <a:xfrm>
-            <a:off x="596900" y="1017724"/>
-            <a:ext cx="7942684" cy="3586549"/>
+            <a:off x="1453895" y="1017724"/>
+            <a:ext cx="6236208" cy="4041648"/>
           </a:xfrm>
           <a:prstGeom prst="rect">
             <a:avLst/>
@@ -6517,28 +6505,22 @@
       </p:sp>
       <p:pic>
         <p:nvPicPr>
-          <p:cNvPr id="3" name="Picture 2"/>
+          <p:cNvPr id="5" name="Picture 4"/>
           <p:cNvPicPr>
             <a:picLocks noChangeAspect="1"/>
           </p:cNvPicPr>
           <p:nvPr/>
         </p:nvPicPr>
         <p:blipFill>
-          <a:blip r:embed="rId2">
-            <a:extLst>
-              <a:ext uri="{28A0092B-C50C-407E-A947-70E740481C1C}">
-                <a14:useLocalDpi xmlns:a14="http://schemas.microsoft.com/office/drawing/2010/main" val="0"/>
-              </a:ext>
-            </a:extLst>
-          </a:blip>
+          <a:blip r:embed="rId2"/>
           <a:stretch>
             <a:fillRect/>
           </a:stretch>
         </p:blipFill>
         <p:spPr>
           <a:xfrm>
-            <a:off x="596900" y="1017724"/>
-            <a:ext cx="7942684" cy="3586549"/>
+            <a:off x="1436993" y="1017724"/>
+            <a:ext cx="6106287" cy="3957447"/>
           </a:xfrm>
           <a:prstGeom prst="rect">
             <a:avLst/>
@@ -6597,6 +6579,7 @@
           <a:bodyPr/>
           <a:lstStyle/>
           <a:p>
+            <a:pPr algn="ctr"/>
             <a:r>
               <a:rPr lang="en" sz="2800" b="1" dirty="0">
                 <a:latin typeface="Andale Mono" charset="0"/>
@@ -6627,28 +6610,22 @@
       </p:sp>
       <p:pic>
         <p:nvPicPr>
-          <p:cNvPr id="3" name="Picture 2"/>
+          <p:cNvPr id="4" name="Picture 3"/>
           <p:cNvPicPr>
             <a:picLocks noChangeAspect="1"/>
           </p:cNvPicPr>
           <p:nvPr/>
         </p:nvPicPr>
         <p:blipFill>
-          <a:blip r:embed="rId2">
-            <a:extLst>
-              <a:ext uri="{28A0092B-C50C-407E-A947-70E740481C1C}">
-                <a14:useLocalDpi xmlns:a14="http://schemas.microsoft.com/office/drawing/2010/main" val="0"/>
-              </a:ext>
-            </a:extLst>
-          </a:blip>
+          <a:blip r:embed="rId2"/>
           <a:stretch>
             <a:fillRect/>
           </a:stretch>
         </p:blipFill>
         <p:spPr>
           <a:xfrm>
-            <a:off x="596900" y="1017723"/>
-            <a:ext cx="7942684" cy="3543519"/>
+            <a:off x="1486375" y="1017651"/>
+            <a:ext cx="6171248" cy="3999548"/>
           </a:xfrm>
           <a:prstGeom prst="rect">
             <a:avLst/>
@@ -7279,6 +7256,9 @@
               <a:spcBef>
                 <a:spcPts val="0"/>
               </a:spcBef>
+              <a:spcAft>
+                <a:spcPts val="0"/>
+              </a:spcAft>
               <a:buNone/>
             </a:pPr>
             <a:r>
@@ -7306,7 +7286,83 @@
                 <a:cs typeface="Andale Mono" charset="0"/>
                 <a:sym typeface="Ubuntu"/>
               </a:rPr>
-              <a:t>        Java Coder             Front-End Developer     </a:t>
+              <a:t>        </a:t>
+            </a:r>
+            <a:endParaRPr lang="en-US" sz="1000" b="1" dirty="0" smtClean="0">
+              <a:latin typeface="Andale Mono" charset="0"/>
+              <a:ea typeface="Andale Mono" charset="0"/>
+              <a:cs typeface="Andale Mono" charset="0"/>
+              <a:sym typeface="Ubuntu"/>
+            </a:endParaRPr>
+          </a:p>
+          <a:p>
+            <a:pPr lvl="0" algn="ctr" rtl="0">
+              <a:lnSpc>
+                <a:spcPct val="100000"/>
+              </a:lnSpc>
+              <a:spcBef>
+                <a:spcPts val="0"/>
+              </a:spcBef>
+              <a:spcAft>
+                <a:spcPts val="0"/>
+              </a:spcAft>
+              <a:buNone/>
+            </a:pPr>
+            <a:r>
+              <a:rPr lang="en-US" sz="1000" b="1" dirty="0" smtClean="0">
+                <a:latin typeface="Andale Mono" charset="0"/>
+                <a:ea typeface="Andale Mono" charset="0"/>
+                <a:cs typeface="Andale Mono" charset="0"/>
+                <a:sym typeface="Ubuntu"/>
+              </a:rPr>
+              <a:t>Java </a:t>
+            </a:r>
+            <a:r>
+              <a:rPr lang="en-US" sz="1000" b="1" dirty="0" smtClean="0">
+                <a:latin typeface="Andale Mono" charset="0"/>
+                <a:ea typeface="Andale Mono" charset="0"/>
+                <a:cs typeface="Andale Mono" charset="0"/>
+                <a:sym typeface="Ubuntu"/>
+              </a:rPr>
+              <a:t>Coder           </a:t>
+            </a:r>
+            <a:endParaRPr lang="en-US" sz="1000" b="1" dirty="0" smtClean="0">
+              <a:latin typeface="Andale Mono" charset="0"/>
+              <a:ea typeface="Andale Mono" charset="0"/>
+              <a:cs typeface="Andale Mono" charset="0"/>
+              <a:sym typeface="Ubuntu"/>
+            </a:endParaRPr>
+          </a:p>
+          <a:p>
+            <a:pPr lvl="0" algn="ctr" rtl="0">
+              <a:lnSpc>
+                <a:spcPct val="100000"/>
+              </a:lnSpc>
+              <a:spcBef>
+                <a:spcPts val="0"/>
+              </a:spcBef>
+              <a:spcAft>
+                <a:spcPts val="0"/>
+              </a:spcAft>
+              <a:buNone/>
+            </a:pPr>
+            <a:r>
+              <a:rPr lang="en-US" sz="1000" b="1" dirty="0" smtClean="0">
+                <a:latin typeface="Andale Mono" charset="0"/>
+                <a:ea typeface="Andale Mono" charset="0"/>
+                <a:cs typeface="Andale Mono" charset="0"/>
+                <a:sym typeface="Ubuntu"/>
+              </a:rPr>
+              <a:t>  </a:t>
+            </a:r>
+            <a:r>
+              <a:rPr lang="en-US" sz="1000" b="1" dirty="0" smtClean="0">
+                <a:latin typeface="Andale Mono" charset="0"/>
+                <a:ea typeface="Andale Mono" charset="0"/>
+                <a:cs typeface="Andale Mono" charset="0"/>
+                <a:sym typeface="Ubuntu"/>
+              </a:rPr>
+              <a:t>Front-End Developer     </a:t>
             </a:r>
             <a:r>
               <a:rPr lang="en" sz="1000" b="1" dirty="0" smtClean="0">
@@ -7587,9 +7643,15 @@
           <a:lstStyle/>
           <a:p>
             <a:pPr lvl="0" algn="ctr" rtl="0">
-              <a:spcBef>
-                <a:spcPts val="0"/>
-              </a:spcBef>
+              <a:lnSpc>
+                <a:spcPct val="100000"/>
+              </a:lnSpc>
+              <a:spcBef>
+                <a:spcPts val="0"/>
+              </a:spcBef>
+              <a:spcAft>
+                <a:spcPts val="0"/>
+              </a:spcAft>
               <a:buNone/>
             </a:pPr>
             <a:r>
@@ -7617,7 +7679,45 @@
                 <a:cs typeface="Andale Mono" charset="0"/>
                 <a:sym typeface="Ubuntu"/>
               </a:rPr>
-              <a:t>       QA Analyst</a:t>
+              <a:t>       </a:t>
+            </a:r>
+            <a:endParaRPr lang="en-US" sz="1000" b="1" dirty="0" smtClean="0">
+              <a:latin typeface="Andale Mono" charset="0"/>
+              <a:ea typeface="Andale Mono" charset="0"/>
+              <a:cs typeface="Andale Mono" charset="0"/>
+              <a:sym typeface="Ubuntu"/>
+            </a:endParaRPr>
+          </a:p>
+          <a:p>
+            <a:pPr lvl="0" algn="ctr" rtl="0">
+              <a:lnSpc>
+                <a:spcPct val="100000"/>
+              </a:lnSpc>
+              <a:spcBef>
+                <a:spcPts val="0"/>
+              </a:spcBef>
+              <a:spcAft>
+                <a:spcPts val="0"/>
+              </a:spcAft>
+              <a:buNone/>
+            </a:pPr>
+            <a:r>
+              <a:rPr lang="en-US" sz="1000" b="1" dirty="0" smtClean="0">
+                <a:latin typeface="Andale Mono" charset="0"/>
+                <a:ea typeface="Andale Mono" charset="0"/>
+                <a:cs typeface="Andale Mono" charset="0"/>
+                <a:sym typeface="Ubuntu"/>
+              </a:rPr>
+              <a:t>QA </a:t>
+            </a:r>
+            <a:r>
+              <a:rPr lang="en-US" sz="1000" b="1" dirty="0" smtClean="0">
+                <a:latin typeface="Andale Mono" charset="0"/>
+                <a:ea typeface="Andale Mono" charset="0"/>
+                <a:cs typeface="Andale Mono" charset="0"/>
+                <a:sym typeface="Ubuntu"/>
+              </a:rPr>
+              <a:t>Analyst</a:t>
             </a:r>
             <a:r>
               <a:rPr lang="en" sz="1000" b="1" dirty="0" smtClean="0">
@@ -7635,7 +7735,45 @@
                 <a:cs typeface="Andale Mono" charset="0"/>
                 <a:sym typeface="Ubuntu"/>
               </a:rPr>
-              <a:t>     Java Coder</a:t>
+              <a:t>    </a:t>
+            </a:r>
+            <a:endParaRPr lang="en-US" sz="1000" b="1" dirty="0" smtClean="0">
+              <a:latin typeface="Andale Mono" charset="0"/>
+              <a:ea typeface="Andale Mono" charset="0"/>
+              <a:cs typeface="Andale Mono" charset="0"/>
+              <a:sym typeface="Ubuntu"/>
+            </a:endParaRPr>
+          </a:p>
+          <a:p>
+            <a:pPr lvl="0" algn="ctr" rtl="0">
+              <a:lnSpc>
+                <a:spcPct val="100000"/>
+              </a:lnSpc>
+              <a:spcBef>
+                <a:spcPts val="0"/>
+              </a:spcBef>
+              <a:spcAft>
+                <a:spcPts val="0"/>
+              </a:spcAft>
+              <a:buNone/>
+            </a:pPr>
+            <a:r>
+              <a:rPr lang="en-US" sz="1000" b="1" dirty="0" smtClean="0">
+                <a:latin typeface="Andale Mono" charset="0"/>
+                <a:ea typeface="Andale Mono" charset="0"/>
+                <a:cs typeface="Andale Mono" charset="0"/>
+                <a:sym typeface="Ubuntu"/>
+              </a:rPr>
+              <a:t> </a:t>
+            </a:r>
+            <a:r>
+              <a:rPr lang="en-US" sz="1000" b="1" dirty="0" smtClean="0">
+                <a:latin typeface="Andale Mono" charset="0"/>
+                <a:ea typeface="Andale Mono" charset="0"/>
+                <a:cs typeface="Andale Mono" charset="0"/>
+                <a:sym typeface="Ubuntu"/>
+              </a:rPr>
+              <a:t>Java Coder</a:t>
             </a:r>
             <a:endParaRPr lang="en" sz="1000" b="1" dirty="0">
               <a:latin typeface="Andale Mono" charset="0"/>
@@ -7883,9 +8021,15 @@
           <a:lstStyle/>
           <a:p>
             <a:pPr lvl="0" algn="ctr" rtl="0">
-              <a:spcBef>
-                <a:spcPts val="0"/>
-              </a:spcBef>
+              <a:lnSpc>
+                <a:spcPct val="100000"/>
+              </a:lnSpc>
+              <a:spcBef>
+                <a:spcPts val="0"/>
+              </a:spcBef>
+              <a:spcAft>
+                <a:spcPts val="0"/>
+              </a:spcAft>
               <a:buNone/>
             </a:pPr>
             <a:r>
@@ -7913,7 +8057,45 @@
                 <a:cs typeface="Andale Mono" charset="0"/>
                 <a:sym typeface="Ubuntu"/>
               </a:rPr>
-              <a:t>        User Guide</a:t>
+              <a:t>       </a:t>
+            </a:r>
+            <a:endParaRPr lang="en-US" sz="1000" b="1" dirty="0" smtClean="0">
+              <a:latin typeface="Andale Mono" charset="0"/>
+              <a:ea typeface="Andale Mono" charset="0"/>
+              <a:cs typeface="Andale Mono" charset="0"/>
+              <a:sym typeface="Ubuntu"/>
+            </a:endParaRPr>
+          </a:p>
+          <a:p>
+            <a:pPr lvl="0" algn="ctr" rtl="0">
+              <a:lnSpc>
+                <a:spcPct val="100000"/>
+              </a:lnSpc>
+              <a:spcBef>
+                <a:spcPts val="0"/>
+              </a:spcBef>
+              <a:spcAft>
+                <a:spcPts val="0"/>
+              </a:spcAft>
+              <a:buNone/>
+            </a:pPr>
+            <a:r>
+              <a:rPr lang="en-US" sz="1000" b="1" dirty="0" smtClean="0">
+                <a:latin typeface="Andale Mono" charset="0"/>
+                <a:ea typeface="Andale Mono" charset="0"/>
+                <a:cs typeface="Andale Mono" charset="0"/>
+                <a:sym typeface="Ubuntu"/>
+              </a:rPr>
+              <a:t> </a:t>
+            </a:r>
+            <a:r>
+              <a:rPr lang="en-US" sz="1000" b="1" dirty="0" smtClean="0">
+                <a:latin typeface="Andale Mono" charset="0"/>
+                <a:ea typeface="Andale Mono" charset="0"/>
+                <a:cs typeface="Andale Mono" charset="0"/>
+                <a:sym typeface="Ubuntu"/>
+              </a:rPr>
+              <a:t>User Guide</a:t>
             </a:r>
             <a:r>
               <a:rPr lang="en-US" sz="1000" b="1" dirty="0">
@@ -7931,7 +8113,45 @@
                 <a:cs typeface="Andale Mono" charset="0"/>
                 <a:sym typeface="Ubuntu"/>
               </a:rPr>
-              <a:t>          QA Analyst</a:t>
+              <a:t>         </a:t>
+            </a:r>
+            <a:endParaRPr lang="en-US" sz="1000" b="1" dirty="0" smtClean="0">
+              <a:latin typeface="Andale Mono" charset="0"/>
+              <a:ea typeface="Andale Mono" charset="0"/>
+              <a:cs typeface="Andale Mono" charset="0"/>
+              <a:sym typeface="Ubuntu"/>
+            </a:endParaRPr>
+          </a:p>
+          <a:p>
+            <a:pPr lvl="0" algn="ctr" rtl="0">
+              <a:lnSpc>
+                <a:spcPct val="100000"/>
+              </a:lnSpc>
+              <a:spcBef>
+                <a:spcPts val="0"/>
+              </a:spcBef>
+              <a:spcAft>
+                <a:spcPts val="0"/>
+              </a:spcAft>
+              <a:buNone/>
+            </a:pPr>
+            <a:r>
+              <a:rPr lang="en-US" sz="1000" b="1" dirty="0" smtClean="0">
+                <a:latin typeface="Andale Mono" charset="0"/>
+                <a:ea typeface="Andale Mono" charset="0"/>
+                <a:cs typeface="Andale Mono" charset="0"/>
+                <a:sym typeface="Ubuntu"/>
+              </a:rPr>
+              <a:t> </a:t>
+            </a:r>
+            <a:r>
+              <a:rPr lang="en-US" sz="1000" b="1" dirty="0" smtClean="0">
+                <a:latin typeface="Andale Mono" charset="0"/>
+                <a:ea typeface="Andale Mono" charset="0"/>
+                <a:cs typeface="Andale Mono" charset="0"/>
+                <a:sym typeface="Ubuntu"/>
+              </a:rPr>
+              <a:t>QA Analyst</a:t>
             </a:r>
           </a:p>
         </p:txBody>
@@ -8166,8 +8386,8 @@
         </p:blipFill>
         <p:spPr>
           <a:xfrm>
-            <a:off x="311700" y="3115275"/>
-            <a:ext cx="7877150" cy="1743050"/>
+            <a:off x="406135" y="3115275"/>
+            <a:ext cx="7938258" cy="1798700"/>
           </a:xfrm>
           <a:prstGeom prst="rect">
             <a:avLst/>
@@ -8855,10 +9075,10 @@
         </p:nvGrpSpPr>
         <p:grpSpPr>
           <a:xfrm>
-            <a:off x="5922706" y="1533542"/>
-            <a:ext cx="2327252" cy="441656"/>
-            <a:chOff x="6448869" y="3733723"/>
-            <a:chExt cx="2453355" cy="351301"/>
+            <a:off x="5912431" y="1533539"/>
+            <a:ext cx="2337527" cy="441657"/>
+            <a:chOff x="6438038" y="3733723"/>
+            <a:chExt cx="2464187" cy="351302"/>
           </a:xfrm>
         </p:grpSpPr>
         <p:sp>
@@ -8869,7 +9089,7 @@
           </p:nvSpPr>
           <p:spPr>
             <a:xfrm>
-              <a:off x="6448869" y="3733723"/>
+              <a:off x="6438038" y="3733723"/>
               <a:ext cx="1768499" cy="351300"/>
             </a:xfrm>
             <a:prstGeom prst="homePlate">
@@ -9034,7 +9254,7 @@
         </p:nvSpPr>
         <p:spPr>
           <a:xfrm>
-            <a:off x="8097175" y="2104250"/>
+            <a:off x="7912243" y="2104250"/>
             <a:ext cx="864300" cy="457500"/>
           </a:xfrm>
           <a:prstGeom prst="homePlate">
@@ -10029,8 +10249,8 @@
         </p:nvSpPr>
         <p:spPr>
           <a:xfrm>
-            <a:off x="3599324" y="1254158"/>
-            <a:ext cx="5111699" cy="799200"/>
+            <a:off x="3480624" y="1254158"/>
+            <a:ext cx="5230400" cy="799200"/>
           </a:xfrm>
           <a:prstGeom prst="rect">
             <a:avLst/>
@@ -10075,10 +10295,10 @@
                 <a:cs typeface="Oswald"/>
                 <a:sym typeface="Oswald"/>
               </a:rPr>
-              <a:t>       </a:t>
-            </a:r>
-            <a:r>
-              <a:rPr lang="en-US" sz="1400" b="1" dirty="0" smtClean="0">
+              <a:t>     </a:t>
+            </a:r>
+            <a:r>
+              <a:rPr lang="en" sz="1400" b="1" dirty="0" smtClean="0">
                 <a:solidFill>
                   <a:schemeClr val="lt1"/>
                 </a:solidFill>
@@ -10087,7 +10307,7 @@
                 <a:cs typeface="Oswald"/>
                 <a:sym typeface="Oswald"/>
               </a:rPr>
-              <a:t>        </a:t>
+              <a:t> </a:t>
             </a:r>
             <a:r>
               <a:rPr lang="en" sz="1400" b="1" dirty="0" smtClean="0">
@@ -10287,8 +10507,8 @@
         </p:nvSpPr>
         <p:spPr>
           <a:xfrm>
-            <a:off x="3663332" y="2127464"/>
-            <a:ext cx="5111699" cy="799200"/>
+            <a:off x="3480624" y="2127464"/>
+            <a:ext cx="5294407" cy="799200"/>
           </a:xfrm>
           <a:prstGeom prst="rect">
             <a:avLst/>
@@ -10333,7 +10553,19 @@
                 <a:cs typeface="Andale Mono" charset="0"/>
                 <a:sym typeface="Oswald"/>
               </a:rPr>
-              <a:t>    </a:t>
+              <a:t>     </a:t>
+            </a:r>
+            <a:r>
+              <a:rPr lang="en-US" sz="1400" b="1" dirty="0" smtClean="0">
+                <a:solidFill>
+                  <a:schemeClr val="lt1"/>
+                </a:solidFill>
+                <a:latin typeface="Andale Mono" charset="0"/>
+                <a:ea typeface="Andale Mono" charset="0"/>
+                <a:cs typeface="Andale Mono" charset="0"/>
+                <a:sym typeface="Oswald"/>
+              </a:rPr>
+              <a:t> </a:t>
             </a:r>
             <a:r>
               <a:rPr lang="en" sz="1400" b="1" dirty="0" smtClean="0">
@@ -10600,7 +10832,19 @@
                 <a:cs typeface="Oswald"/>
                 <a:sym typeface="Oswald"/>
               </a:rPr>
-              <a:t>      </a:t>
+              <a:t> </a:t>
+            </a:r>
+            <a:r>
+              <a:rPr lang="en" dirty="0" smtClean="0">
+                <a:solidFill>
+                  <a:schemeClr val="lt1"/>
+                </a:solidFill>
+                <a:latin typeface="Oswald"/>
+                <a:ea typeface="Oswald"/>
+                <a:cs typeface="Oswald"/>
+                <a:sym typeface="Oswald"/>
+              </a:rPr>
+              <a:t>   </a:t>
             </a:r>
             <a:r>
               <a:rPr lang="en" sz="1400" b="1" dirty="0" smtClean="0">
@@ -10800,8 +11044,8 @@
         </p:nvSpPr>
         <p:spPr>
           <a:xfrm>
-            <a:off x="3370724" y="3876311"/>
-            <a:ext cx="5111699" cy="799200"/>
+            <a:off x="3480624" y="3876311"/>
+            <a:ext cx="5001799" cy="799200"/>
           </a:xfrm>
           <a:prstGeom prst="rect">
             <a:avLst/>
@@ -10846,7 +11090,31 @@
                 <a:cs typeface="Andale Mono" charset="0"/>
                 <a:sym typeface="Oswald"/>
               </a:rPr>
-              <a:t>      Processing Patient Invoices</a:t>
+              <a:t>     </a:t>
+            </a:r>
+            <a:r>
+              <a:rPr lang="en" sz="1400" b="1" dirty="0" smtClean="0">
+                <a:solidFill>
+                  <a:schemeClr val="lt1"/>
+                </a:solidFill>
+                <a:latin typeface="Andale Mono" charset="0"/>
+                <a:ea typeface="Andale Mono" charset="0"/>
+                <a:cs typeface="Andale Mono" charset="0"/>
+                <a:sym typeface="Oswald"/>
+              </a:rPr>
+              <a:t> Processing </a:t>
+            </a:r>
+            <a:r>
+              <a:rPr lang="en" sz="1400" b="1" dirty="0">
+                <a:solidFill>
+                  <a:schemeClr val="lt1"/>
+                </a:solidFill>
+                <a:latin typeface="Andale Mono" charset="0"/>
+                <a:ea typeface="Andale Mono" charset="0"/>
+                <a:cs typeface="Andale Mono" charset="0"/>
+                <a:sym typeface="Oswald"/>
+              </a:rPr>
+              <a:t>Patient Invoices</a:t>
             </a:r>
           </a:p>
           <a:p>

--- a/Presentation/Software Engineering Presentation v2.pptx
+++ b/Presentation/Software Engineering Presentation v2.pptx
@@ -590,7 +590,7 @@
               </a:spcBef>
               <a:buNone/>
             </a:pPr>
-            <a:endParaRPr/>
+            <a:endParaRPr dirty="0"/>
           </a:p>
         </p:txBody>
       </p:sp>
@@ -6913,10 +6913,9 @@
               <a:buChar char="•"/>
             </a:pPr>
             <a:r>
-              <a:rPr lang="en-US" smtClean="0"/>
+              <a:rPr lang="en-US" dirty="0" smtClean="0"/>
               <a:t>Comprehensive GUI</a:t>
             </a:r>
-            <a:endParaRPr lang="en-US" dirty="0" smtClean="0"/>
           </a:p>
           <a:p>
             <a:pPr marL="285750" indent="-285750">
@@ -7288,12 +7287,6 @@
               </a:rPr>
               <a:t>        </a:t>
             </a:r>
-            <a:endParaRPr lang="en-US" sz="1000" b="1" dirty="0" smtClean="0">
-              <a:latin typeface="Andale Mono" charset="0"/>
-              <a:ea typeface="Andale Mono" charset="0"/>
-              <a:cs typeface="Andale Mono" charset="0"/>
-              <a:sym typeface="Ubuntu"/>
-            </a:endParaRPr>
           </a:p>
           <a:p>
             <a:pPr lvl="0" algn="ctr" rtl="0">
@@ -7315,8 +7308,22 @@
                 <a:cs typeface="Andale Mono" charset="0"/>
                 <a:sym typeface="Ubuntu"/>
               </a:rPr>
-              <a:t>Java </a:t>
-            </a:r>
+              <a:t>Java Coder           </a:t>
+            </a:r>
+          </a:p>
+          <a:p>
+            <a:pPr lvl="0" algn="ctr" rtl="0">
+              <a:lnSpc>
+                <a:spcPct val="100000"/>
+              </a:lnSpc>
+              <a:spcBef>
+                <a:spcPts val="0"/>
+              </a:spcBef>
+              <a:spcAft>
+                <a:spcPts val="0"/>
+              </a:spcAft>
+              <a:buNone/>
+            </a:pPr>
             <a:r>
               <a:rPr lang="en-US" sz="1000" b="1" dirty="0" smtClean="0">
                 <a:latin typeface="Andale Mono" charset="0"/>
@@ -7324,45 +7331,7 @@
                 <a:cs typeface="Andale Mono" charset="0"/>
                 <a:sym typeface="Ubuntu"/>
               </a:rPr>
-              <a:t>Coder           </a:t>
-            </a:r>
-            <a:endParaRPr lang="en-US" sz="1000" b="1" dirty="0" smtClean="0">
-              <a:latin typeface="Andale Mono" charset="0"/>
-              <a:ea typeface="Andale Mono" charset="0"/>
-              <a:cs typeface="Andale Mono" charset="0"/>
-              <a:sym typeface="Ubuntu"/>
-            </a:endParaRPr>
-          </a:p>
-          <a:p>
-            <a:pPr lvl="0" algn="ctr" rtl="0">
-              <a:lnSpc>
-                <a:spcPct val="100000"/>
-              </a:lnSpc>
-              <a:spcBef>
-                <a:spcPts val="0"/>
-              </a:spcBef>
-              <a:spcAft>
-                <a:spcPts val="0"/>
-              </a:spcAft>
-              <a:buNone/>
-            </a:pPr>
-            <a:r>
-              <a:rPr lang="en-US" sz="1000" b="1" dirty="0" smtClean="0">
-                <a:latin typeface="Andale Mono" charset="0"/>
-                <a:ea typeface="Andale Mono" charset="0"/>
-                <a:cs typeface="Andale Mono" charset="0"/>
-                <a:sym typeface="Ubuntu"/>
-              </a:rPr>
-              <a:t>  </a:t>
-            </a:r>
-            <a:r>
-              <a:rPr lang="en-US" sz="1000" b="1" dirty="0" smtClean="0">
-                <a:latin typeface="Andale Mono" charset="0"/>
-                <a:ea typeface="Andale Mono" charset="0"/>
-                <a:cs typeface="Andale Mono" charset="0"/>
-                <a:sym typeface="Ubuntu"/>
-              </a:rPr>
-              <a:t>Front-End Developer     </a:t>
+              <a:t>  Front-End Developer     </a:t>
             </a:r>
             <a:r>
               <a:rPr lang="en" sz="1000" b="1" dirty="0" smtClean="0">
@@ -7681,12 +7650,6 @@
               </a:rPr>
               <a:t>       </a:t>
             </a:r>
-            <a:endParaRPr lang="en-US" sz="1000" b="1" dirty="0" smtClean="0">
-              <a:latin typeface="Andale Mono" charset="0"/>
-              <a:ea typeface="Andale Mono" charset="0"/>
-              <a:cs typeface="Andale Mono" charset="0"/>
-              <a:sym typeface="Ubuntu"/>
-            </a:endParaRPr>
           </a:p>
           <a:p>
             <a:pPr lvl="0" algn="ctr" rtl="0">
@@ -7708,7 +7671,16 @@
                 <a:cs typeface="Andale Mono" charset="0"/>
                 <a:sym typeface="Ubuntu"/>
               </a:rPr>
-              <a:t>QA </a:t>
+              <a:t>QA Analyst</a:t>
+            </a:r>
+            <a:r>
+              <a:rPr lang="en" sz="1000" b="1" dirty="0" smtClean="0">
+                <a:latin typeface="Andale Mono" charset="0"/>
+                <a:ea typeface="Andale Mono" charset="0"/>
+                <a:cs typeface="Andale Mono" charset="0"/>
+                <a:sym typeface="Ubuntu"/>
+              </a:rPr>
+              <a:t>                                   Documentation</a:t>
             </a:r>
             <a:r>
               <a:rPr lang="en-US" sz="1000" b="1" dirty="0" smtClean="0">
@@ -7717,17 +7689,22 @@
                 <a:cs typeface="Andale Mono" charset="0"/>
                 <a:sym typeface="Ubuntu"/>
               </a:rPr>
-              <a:t>Analyst</a:t>
-            </a:r>
-            <a:r>
-              <a:rPr lang="en" sz="1000" b="1" dirty="0" smtClean="0">
-                <a:latin typeface="Andale Mono" charset="0"/>
-                <a:ea typeface="Andale Mono" charset="0"/>
-                <a:cs typeface="Andale Mono" charset="0"/>
-                <a:sym typeface="Ubuntu"/>
-              </a:rPr>
-              <a:t>                                   Documentation</a:t>
-            </a:r>
+              <a:t>    </a:t>
+            </a:r>
+          </a:p>
+          <a:p>
+            <a:pPr lvl="0" algn="ctr" rtl="0">
+              <a:lnSpc>
+                <a:spcPct val="100000"/>
+              </a:lnSpc>
+              <a:spcBef>
+                <a:spcPts val="0"/>
+              </a:spcBef>
+              <a:spcAft>
+                <a:spcPts val="0"/>
+              </a:spcAft>
+              <a:buNone/>
+            </a:pPr>
             <a:r>
               <a:rPr lang="en-US" sz="1000" b="1" dirty="0" smtClean="0">
                 <a:latin typeface="Andale Mono" charset="0"/>
@@ -7735,45 +7712,7 @@
                 <a:cs typeface="Andale Mono" charset="0"/>
                 <a:sym typeface="Ubuntu"/>
               </a:rPr>
-              <a:t>    </a:t>
-            </a:r>
-            <a:endParaRPr lang="en-US" sz="1000" b="1" dirty="0" smtClean="0">
-              <a:latin typeface="Andale Mono" charset="0"/>
-              <a:ea typeface="Andale Mono" charset="0"/>
-              <a:cs typeface="Andale Mono" charset="0"/>
-              <a:sym typeface="Ubuntu"/>
-            </a:endParaRPr>
-          </a:p>
-          <a:p>
-            <a:pPr lvl="0" algn="ctr" rtl="0">
-              <a:lnSpc>
-                <a:spcPct val="100000"/>
-              </a:lnSpc>
-              <a:spcBef>
-                <a:spcPts val="0"/>
-              </a:spcBef>
-              <a:spcAft>
-                <a:spcPts val="0"/>
-              </a:spcAft>
-              <a:buNone/>
-            </a:pPr>
-            <a:r>
-              <a:rPr lang="en-US" sz="1000" b="1" dirty="0" smtClean="0">
-                <a:latin typeface="Andale Mono" charset="0"/>
-                <a:ea typeface="Andale Mono" charset="0"/>
-                <a:cs typeface="Andale Mono" charset="0"/>
-                <a:sym typeface="Ubuntu"/>
-              </a:rPr>
-              <a:t> </a:t>
-            </a:r>
-            <a:r>
-              <a:rPr lang="en-US" sz="1000" b="1" dirty="0" smtClean="0">
-                <a:latin typeface="Andale Mono" charset="0"/>
-                <a:ea typeface="Andale Mono" charset="0"/>
-                <a:cs typeface="Andale Mono" charset="0"/>
-                <a:sym typeface="Ubuntu"/>
-              </a:rPr>
-              <a:t>Java Coder</a:t>
+              <a:t> Java Coder</a:t>
             </a:r>
             <a:endParaRPr lang="en" sz="1000" b="1" dirty="0">
               <a:latin typeface="Andale Mono" charset="0"/>
@@ -8059,12 +7998,6 @@
               </a:rPr>
               <a:t>       </a:t>
             </a:r>
-            <a:endParaRPr lang="en-US" sz="1000" b="1" dirty="0" smtClean="0">
-              <a:latin typeface="Andale Mono" charset="0"/>
-              <a:ea typeface="Andale Mono" charset="0"/>
-              <a:cs typeface="Andale Mono" charset="0"/>
-              <a:sym typeface="Ubuntu"/>
-            </a:endParaRPr>
           </a:p>
           <a:p>
             <a:pPr lvl="0" algn="ctr" rtl="0">
@@ -8086,6 +8019,15 @@
                 <a:cs typeface="Andale Mono" charset="0"/>
                 <a:sym typeface="Ubuntu"/>
               </a:rPr>
+              <a:t> User Guide</a:t>
+            </a:r>
+            <a:r>
+              <a:rPr lang="en-US" sz="1000" b="1" dirty="0">
+                <a:latin typeface="Andale Mono" charset="0"/>
+                <a:ea typeface="Andale Mono" charset="0"/>
+                <a:cs typeface="Andale Mono" charset="0"/>
+                <a:sym typeface="Ubuntu"/>
+              </a:rPr>
               <a:t> </a:t>
             </a:r>
             <a:r>
@@ -8095,17 +8037,22 @@
                 <a:cs typeface="Andale Mono" charset="0"/>
                 <a:sym typeface="Ubuntu"/>
               </a:rPr>
-              <a:t>User Guide</a:t>
-            </a:r>
-            <a:r>
-              <a:rPr lang="en-US" sz="1000" b="1" dirty="0">
-                <a:latin typeface="Andale Mono" charset="0"/>
-                <a:ea typeface="Andale Mono" charset="0"/>
-                <a:cs typeface="Andale Mono" charset="0"/>
-                <a:sym typeface="Ubuntu"/>
-              </a:rPr>
-              <a:t> </a:t>
-            </a:r>
+              <a:t>         </a:t>
+            </a:r>
+          </a:p>
+          <a:p>
+            <a:pPr lvl="0" algn="ctr" rtl="0">
+              <a:lnSpc>
+                <a:spcPct val="100000"/>
+              </a:lnSpc>
+              <a:spcBef>
+                <a:spcPts val="0"/>
+              </a:spcBef>
+              <a:spcAft>
+                <a:spcPts val="0"/>
+              </a:spcAft>
+              <a:buNone/>
+            </a:pPr>
             <a:r>
               <a:rPr lang="en-US" sz="1000" b="1" dirty="0" smtClean="0">
                 <a:latin typeface="Andale Mono" charset="0"/>
@@ -8113,45 +8060,7 @@
                 <a:cs typeface="Andale Mono" charset="0"/>
                 <a:sym typeface="Ubuntu"/>
               </a:rPr>
-              <a:t>         </a:t>
-            </a:r>
-            <a:endParaRPr lang="en-US" sz="1000" b="1" dirty="0" smtClean="0">
-              <a:latin typeface="Andale Mono" charset="0"/>
-              <a:ea typeface="Andale Mono" charset="0"/>
-              <a:cs typeface="Andale Mono" charset="0"/>
-              <a:sym typeface="Ubuntu"/>
-            </a:endParaRPr>
-          </a:p>
-          <a:p>
-            <a:pPr lvl="0" algn="ctr" rtl="0">
-              <a:lnSpc>
-                <a:spcPct val="100000"/>
-              </a:lnSpc>
-              <a:spcBef>
-                <a:spcPts val="0"/>
-              </a:spcBef>
-              <a:spcAft>
-                <a:spcPts val="0"/>
-              </a:spcAft>
-              <a:buNone/>
-            </a:pPr>
-            <a:r>
-              <a:rPr lang="en-US" sz="1000" b="1" dirty="0" smtClean="0">
-                <a:latin typeface="Andale Mono" charset="0"/>
-                <a:ea typeface="Andale Mono" charset="0"/>
-                <a:cs typeface="Andale Mono" charset="0"/>
-                <a:sym typeface="Ubuntu"/>
-              </a:rPr>
-              <a:t> </a:t>
-            </a:r>
-            <a:r>
-              <a:rPr lang="en-US" sz="1000" b="1" dirty="0" smtClean="0">
-                <a:latin typeface="Andale Mono" charset="0"/>
-                <a:ea typeface="Andale Mono" charset="0"/>
-                <a:cs typeface="Andale Mono" charset="0"/>
-                <a:sym typeface="Ubuntu"/>
-              </a:rPr>
-              <a:t>QA Analyst</a:t>
+              <a:t> QA Analyst</a:t>
             </a:r>
           </a:p>
         </p:txBody>
@@ -10553,19 +10462,7 @@
                 <a:cs typeface="Andale Mono" charset="0"/>
                 <a:sym typeface="Oswald"/>
               </a:rPr>
-              <a:t>     </a:t>
-            </a:r>
-            <a:r>
-              <a:rPr lang="en-US" sz="1400" b="1" dirty="0" smtClean="0">
-                <a:solidFill>
-                  <a:schemeClr val="lt1"/>
-                </a:solidFill>
-                <a:latin typeface="Andale Mono" charset="0"/>
-                <a:ea typeface="Andale Mono" charset="0"/>
-                <a:cs typeface="Andale Mono" charset="0"/>
-                <a:sym typeface="Oswald"/>
-              </a:rPr>
-              <a:t> </a:t>
+              <a:t>      </a:t>
             </a:r>
             <a:r>
               <a:rPr lang="en" sz="1400" b="1" dirty="0" smtClean="0">
